--- a/2017_Melbourne_Yr1/2. Math for Game/Week 10/Geometry - Circles.pptx
+++ b/2017_Melbourne_Yr1/2. Math for Game/Week 10/Geometry - Circles.pptx
@@ -221,7 +221,7 @@
           <a:p>
             <a:fld id="{5995DE15-1CB2-4A24-AFFF-D3DDE89DC4AB}" type="datetimeFigureOut">
               <a:rPr lang="en-GB" smtClean="0"/>
-              <a:t>13/04/2017</a:t>
+              <a:t>12/05/2017</a:t>
             </a:fld>
             <a:endParaRPr lang="en-GB"/>
           </a:p>
